--- a/Project Presentation.pptx
+++ b/Project Presentation.pptx
@@ -17,6 +17,7 @@
     <p:sldId id="261" r:id="rId12"/>
     <p:sldId id="262" r:id="rId13"/>
     <p:sldId id="263" r:id="rId14"/>
+    <p:sldId id="264" r:id="rId15"/>
   </p:sldIdLst>
   <p:sldSz cy="5143500" cx="9144000"/>
   <p:notesSz cx="6858000" cy="9144000"/>
@@ -265,7 +266,7 @@
       </p15:sldGuideLst>
     </p:ext>
     <p:ext uri="http://customooxmlschemas.google.com/">
-      <go:slidesCustomData xmlns:go="http://customooxmlschemas.google.com/" r:id="rId15" roundtripDataSignature="AMtx7mgs4uYlzuV6fXa6b9E+KMY+1/Ij+Q=="/>
+      <go:slidesCustomData xmlns:go="http://customooxmlschemas.google.com/" r:id="rId16" roundtripDataSignature="AMtx7mhoKOpxdOp7xdmgZ+/zCMCaOdPbaA=="/>
     </p:ext>
   </p:extLst>
 </p:presentation>
@@ -1195,7 +1196,7 @@
   <p:cSld>
     <p:spTree>
       <p:nvGrpSpPr>
-        <p:cNvPr id="389" name="Shape 389"/>
+        <p:cNvPr id="390" name="Shape 390"/>
         <p:cNvGrpSpPr/>
         <p:nvPr/>
       </p:nvGrpSpPr>
@@ -1209,7 +1210,7 @@
       </p:grpSpPr>
       <p:sp>
         <p:nvSpPr>
-          <p:cNvPr id="390" name="Google Shape;390;p4:notes"/>
+          <p:cNvPr id="391" name="Google Shape;391;p4:notes"/>
           <p:cNvSpPr/>
           <p:nvPr>
             <p:ph idx="2" type="sldImg"/>
@@ -1254,7 +1255,7 @@
       </p:sp>
       <p:sp>
         <p:nvSpPr>
-          <p:cNvPr id="391" name="Google Shape;391;p4:notes"/>
+          <p:cNvPr id="392" name="Google Shape;392;p4:notes"/>
           <p:cNvSpPr txBox="1"/>
           <p:nvPr>
             <p:ph idx="1" type="body"/>
@@ -1312,7 +1313,7 @@
   <p:cSld>
     <p:spTree>
       <p:nvGrpSpPr>
-        <p:cNvPr id="395" name="Shape 395"/>
+        <p:cNvPr id="396" name="Shape 396"/>
         <p:cNvGrpSpPr/>
         <p:nvPr/>
       </p:nvGrpSpPr>
@@ -1326,7 +1327,7 @@
       </p:grpSpPr>
       <p:sp>
         <p:nvSpPr>
-          <p:cNvPr id="396" name="Google Shape;396;p5:notes"/>
+          <p:cNvPr id="397" name="Google Shape;397;p5:notes"/>
           <p:cNvSpPr/>
           <p:nvPr>
             <p:ph idx="2" type="sldImg"/>
@@ -1371,7 +1372,7 @@
       </p:sp>
       <p:sp>
         <p:nvSpPr>
-          <p:cNvPr id="397" name="Google Shape;397;p5:notes"/>
+          <p:cNvPr id="398" name="Google Shape;398;p5:notes"/>
           <p:cNvSpPr txBox="1"/>
           <p:nvPr>
             <p:ph idx="1" type="body"/>
@@ -1429,7 +1430,7 @@
   <p:cSld>
     <p:spTree>
       <p:nvGrpSpPr>
-        <p:cNvPr id="401" name="Shape 401"/>
+        <p:cNvPr id="402" name="Shape 402"/>
         <p:cNvGrpSpPr/>
         <p:nvPr/>
       </p:nvGrpSpPr>
@@ -1443,7 +1444,7 @@
       </p:grpSpPr>
       <p:sp>
         <p:nvSpPr>
-          <p:cNvPr id="402" name="Google Shape;402;p6:notes"/>
+          <p:cNvPr id="403" name="Google Shape;403;p6:notes"/>
           <p:cNvSpPr/>
           <p:nvPr>
             <p:ph idx="2" type="sldImg"/>
@@ -1488,7 +1489,7 @@
       </p:sp>
       <p:sp>
         <p:nvSpPr>
-          <p:cNvPr id="403" name="Google Shape;403;p6:notes"/>
+          <p:cNvPr id="404" name="Google Shape;404;p6:notes"/>
           <p:cNvSpPr txBox="1"/>
           <p:nvPr>
             <p:ph idx="1" type="body"/>
@@ -1546,7 +1547,7 @@
   <p:cSld>
     <p:spTree>
       <p:nvGrpSpPr>
-        <p:cNvPr id="407" name="Shape 407"/>
+        <p:cNvPr id="408" name="Shape 408"/>
         <p:cNvGrpSpPr/>
         <p:nvPr/>
       </p:nvGrpSpPr>
@@ -1560,7 +1561,7 @@
       </p:grpSpPr>
       <p:sp>
         <p:nvSpPr>
-          <p:cNvPr id="408" name="Google Shape;408;p7:notes"/>
+          <p:cNvPr id="409" name="Google Shape;409;p7:notes"/>
           <p:cNvSpPr/>
           <p:nvPr>
             <p:ph idx="2" type="sldImg"/>
@@ -1605,7 +1606,7 @@
       </p:sp>
       <p:sp>
         <p:nvSpPr>
-          <p:cNvPr id="409" name="Google Shape;409;p7:notes"/>
+          <p:cNvPr id="410" name="Google Shape;410;p7:notes"/>
           <p:cNvSpPr txBox="1"/>
           <p:nvPr>
             <p:ph idx="1" type="body"/>
@@ -1663,7 +1664,7 @@
   <p:cSld>
     <p:spTree>
       <p:nvGrpSpPr>
-        <p:cNvPr id="413" name="Shape 413"/>
+        <p:cNvPr id="414" name="Shape 414"/>
         <p:cNvGrpSpPr/>
         <p:nvPr/>
       </p:nvGrpSpPr>
@@ -1677,7 +1678,106 @@
       </p:grpSpPr>
       <p:sp>
         <p:nvSpPr>
-          <p:cNvPr id="414" name="Google Shape;414;p8:notes"/>
+          <p:cNvPr id="415" name="Google Shape;415;g1057d6d26dd_0_0:notes"/>
+          <p:cNvSpPr/>
+          <p:nvPr>
+            <p:ph idx="2" type="sldImg"/>
+          </p:nvPr>
+        </p:nvSpPr>
+        <p:spPr>
+          <a:xfrm>
+            <a:off x="381300" y="685800"/>
+            <a:ext cx="6096000" cy="3429000"/>
+          </a:xfrm>
+          <a:custGeom>
+            <a:rect b="b" l="l" r="r" t="t"/>
+            <a:pathLst>
+              <a:path extrusionOk="0" h="120000" w="120000">
+                <a:moveTo>
+                  <a:pt x="0" y="0"/>
+                </a:moveTo>
+                <a:lnTo>
+                  <a:pt x="120000" y="0"/>
+                </a:lnTo>
+                <a:lnTo>
+                  <a:pt x="120000" y="120000"/>
+                </a:lnTo>
+                <a:lnTo>
+                  <a:pt x="0" y="120000"/>
+                </a:lnTo>
+                <a:close/>
+              </a:path>
+            </a:pathLst>
+          </a:custGeom>
+        </p:spPr>
+      </p:sp>
+      <p:sp>
+        <p:nvSpPr>
+          <p:cNvPr id="416" name="Google Shape;416;g1057d6d26dd_0_0:notes"/>
+          <p:cNvSpPr txBox="1"/>
+          <p:nvPr>
+            <p:ph idx="1" type="body"/>
+          </p:nvPr>
+        </p:nvSpPr>
+        <p:spPr>
+          <a:xfrm>
+            <a:off x="685800" y="4343400"/>
+            <a:ext cx="5486400" cy="4114800"/>
+          </a:xfrm>
+          <a:prstGeom prst="rect">
+            <a:avLst/>
+          </a:prstGeom>
+        </p:spPr>
+        <p:txBody>
+          <a:bodyPr anchorCtr="0" anchor="t" bIns="91425" lIns="91425" spcFirstLastPara="1" rIns="91425" wrap="square" tIns="91425">
+            <a:noAutofit/>
+          </a:bodyPr>
+          <a:lstStyle/>
+          <a:p>
+            <a:pPr indent="0" lvl="0" marL="0" rtl="0" algn="l">
+              <a:spcBef>
+                <a:spcPts val="0"/>
+              </a:spcBef>
+              <a:spcAft>
+                <a:spcPts val="0"/>
+              </a:spcAft>
+              <a:buNone/>
+            </a:pPr>
+            <a:r>
+              <a:t/>
+            </a:r>
+            <a:endParaRPr/>
+          </a:p>
+        </p:txBody>
+      </p:sp>
+    </p:spTree>
+  </p:cSld>
+  <p:clrMapOvr>
+    <a:masterClrMapping/>
+  </p:clrMapOvr>
+</p:notes>
+</file>
+
+<file path=ppt/notesSlides/notesSlide9.xml><?xml version="1.0" encoding="utf-8"?>
+<p:notes xmlns:a="http://schemas.openxmlformats.org/drawingml/2006/main" xmlns:r="http://schemas.openxmlformats.org/officeDocument/2006/relationships" xmlns:mc="http://schemas.openxmlformats.org/markup-compatibility/2006" xmlns:mv="urn:schemas-microsoft-com:mac:vml" xmlns:p="http://schemas.openxmlformats.org/presentationml/2006/main" xmlns:c="http://schemas.openxmlformats.org/drawingml/2006/chart" xmlns:dgm="http://schemas.openxmlformats.org/drawingml/2006/diagram" xmlns:o="urn:schemas-microsoft-com:office:office" xmlns:v="urn:schemas-microsoft-com:vml" xmlns:pvml="urn:schemas-microsoft-com:office:powerpoint" xmlns:com="http://schemas.openxmlformats.org/drawingml/2006/compatibility" xmlns:p14="http://schemas.microsoft.com/office/powerpoint/2010/main" xmlns:p15="http://schemas.microsoft.com/office/powerpoint/2012/main" xmlns:ahyp="http://schemas.microsoft.com/office/drawing/2018/hyperlinkcolor" showMasterPhAnim="0" showMasterSp="0">
+  <p:cSld>
+    <p:spTree>
+      <p:nvGrpSpPr>
+        <p:cNvPr id="420" name="Shape 420"/>
+        <p:cNvGrpSpPr/>
+        <p:nvPr/>
+      </p:nvGrpSpPr>
+      <p:grpSpPr>
+        <a:xfrm>
+          <a:off x="0" y="0"/>
+          <a:ext cx="0" cy="0"/>
+          <a:chOff x="0" y="0"/>
+          <a:chExt cx="0" cy="0"/>
+        </a:xfrm>
+      </p:grpSpPr>
+      <p:sp>
+        <p:nvSpPr>
+          <p:cNvPr id="421" name="Google Shape;421;p8:notes"/>
           <p:cNvSpPr/>
           <p:nvPr>
             <p:ph idx="2" type="sldImg"/>
@@ -1722,7 +1822,7 @@
       </p:sp>
       <p:sp>
         <p:nvSpPr>
-          <p:cNvPr id="415" name="Google Shape;415;p8:notes"/>
+          <p:cNvPr id="422" name="Google Shape;422;p8:notes"/>
           <p:cNvSpPr txBox="1"/>
           <p:nvPr>
             <p:ph idx="1" type="body"/>
@@ -39815,7 +39915,11 @@
             </a:pPr>
             <a:r>
               <a:rPr b="1" lang="en" sz="1800"/>
-              <a:t>ability, name, moves, types, etc.</a:t>
+              <a:t>ability, name, moves, types</a:t>
+            </a:r>
+            <a:r>
+              <a:rPr b="1" lang="en" sz="1800"/>
+              <a:t>, etc.</a:t>
             </a:r>
             <a:endParaRPr b="1" sz="1800"/>
           </a:p>
@@ -39851,17 +39955,18 @@
           <p:cNvPicPr preferRelativeResize="0"/>
           <p:nvPr/>
         </p:nvPicPr>
-        <p:blipFill rotWithShape="1">
+        <p:blipFill>
           <a:blip r:embed="rId3">
             <a:alphaModFix/>
           </a:blip>
-          <a:srcRect b="0" l="0" r="0" t="0"/>
-          <a:stretch/>
+          <a:stretch>
+            <a:fillRect/>
+          </a:stretch>
         </p:blipFill>
         <p:spPr>
           <a:xfrm>
-            <a:off x="3704663" y="2446250"/>
-            <a:ext cx="1734675" cy="2602025"/>
+            <a:off x="2820160" y="2925050"/>
+            <a:ext cx="3503674" cy="1970825"/>
           </a:xfrm>
           <a:prstGeom prst="rect">
             <a:avLst/>
@@ -39960,7 +40065,7 @@
         <p:spPr>
           <a:xfrm>
             <a:off x="311700" y="703950"/>
-            <a:ext cx="8520600" cy="3416400"/>
+            <a:ext cx="8520600" cy="4292400"/>
           </a:xfrm>
           <a:prstGeom prst="rect">
             <a:avLst/>
@@ -39991,7 +40096,15 @@
             </a:pPr>
             <a:r>
               <a:rPr b="1" lang="en" sz="1600"/>
-              <a:t>Languages used: HTML, CSS, JavaScript, and SQL </a:t>
+              <a:t>Languages used: HTML, </a:t>
+            </a:r>
+            <a:r>
+              <a:rPr b="1" lang="en" sz="1600"/>
+              <a:t>Python (Flask)</a:t>
+            </a:r>
+            <a:r>
+              <a:rPr b="1" lang="en" sz="1600"/>
+              <a:t>, CSS, and SQL, SQLite</a:t>
             </a:r>
             <a:endParaRPr b="1" sz="1600"/>
           </a:p>
@@ -40011,7 +40124,7 @@
             </a:pPr>
             <a:r>
               <a:rPr b="1" lang="en" sz="1600"/>
-              <a:t>HTML, CSS used for Front-End portion of the webpage, easy for development </a:t>
+              <a:t>Flask, SQLAlchemy used for Front-End portion of the webpage, easy for development </a:t>
             </a:r>
             <a:endParaRPr b="1" sz="1600"/>
           </a:p>
@@ -40031,7 +40144,7 @@
             </a:pPr>
             <a:r>
               <a:rPr b="1" lang="en" sz="1600"/>
-              <a:t>JavaScript and mySQL used for the Back-End portion of the webpage, using mySQL for the database of the Pokedex</a:t>
+              <a:t>SQL, SQLite used for the Back-End portion of the webpage, using SQL for the database of the Pokedex</a:t>
             </a:r>
             <a:endParaRPr b="1" sz="1600"/>
           </a:p>
@@ -40051,7 +40164,7 @@
             </a:pPr>
             <a:r>
               <a:rPr b="1" lang="en" sz="1600"/>
-              <a:t>JavaScript used due to the dynamics of the webpage, also really easy to connect to HTML, CSS </a:t>
+              <a:t>Flask used due to the dynamics of the webpage, also really easy to connect to HTML, CSS </a:t>
             </a:r>
             <a:endParaRPr b="1" sz="1600"/>
           </a:p>
@@ -40063,17 +40176,18 @@
           <p:cNvPicPr preferRelativeResize="0"/>
           <p:nvPr/>
         </p:nvPicPr>
-        <p:blipFill rotWithShape="1">
+        <p:blipFill>
           <a:blip r:embed="rId3">
             <a:alphaModFix/>
           </a:blip>
-          <a:srcRect b="0" l="0" r="0" t="0"/>
-          <a:stretch/>
+          <a:stretch>
+            <a:fillRect/>
+          </a:stretch>
         </p:blipFill>
         <p:spPr>
           <a:xfrm>
-            <a:off x="1239700" y="2735275"/>
-            <a:ext cx="2191875" cy="2191875"/>
+            <a:off x="221225" y="2985549"/>
+            <a:ext cx="2598025" cy="1453225"/>
           </a:xfrm>
           <a:prstGeom prst="rect">
             <a:avLst/>
@@ -40090,17 +40204,46 @@
           <p:cNvPicPr preferRelativeResize="0"/>
           <p:nvPr/>
         </p:nvPicPr>
-        <p:blipFill rotWithShape="1">
+        <p:blipFill>
           <a:blip r:embed="rId4">
             <a:alphaModFix/>
           </a:blip>
-          <a:srcRect b="0" l="0" r="0" t="0"/>
-          <a:stretch/>
+          <a:stretch>
+            <a:fillRect/>
+          </a:stretch>
         </p:blipFill>
         <p:spPr>
           <a:xfrm>
-            <a:off x="5042651" y="2914917"/>
-            <a:ext cx="3166775" cy="1642126"/>
+            <a:off x="3044975" y="2901400"/>
+            <a:ext cx="2843936" cy="1537375"/>
+          </a:xfrm>
+          <a:prstGeom prst="rect">
+            <a:avLst/>
+          </a:prstGeom>
+          <a:noFill/>
+          <a:ln>
+            <a:noFill/>
+          </a:ln>
+        </p:spPr>
+      </p:pic>
+      <p:pic>
+        <p:nvPicPr>
+          <p:cNvPr id="389" name="Google Shape;389;p3"/>
+          <p:cNvPicPr preferRelativeResize="0"/>
+          <p:nvPr/>
+        </p:nvPicPr>
+        <p:blipFill>
+          <a:blip r:embed="rId5">
+            <a:alphaModFix/>
+          </a:blip>
+          <a:stretch>
+            <a:fillRect/>
+          </a:stretch>
+        </p:blipFill>
+        <p:spPr>
+          <a:xfrm>
+            <a:off x="5888900" y="2901400"/>
+            <a:ext cx="2944649" cy="1374175"/>
           </a:xfrm>
           <a:prstGeom prst="rect">
             <a:avLst/>
@@ -40124,7 +40267,7 @@
   <p:cSld>
     <p:spTree>
       <p:nvGrpSpPr>
-        <p:cNvPr id="392" name="Shape 392"/>
+        <p:cNvPr id="393" name="Shape 393"/>
         <p:cNvGrpSpPr/>
         <p:nvPr/>
       </p:nvGrpSpPr>
@@ -40138,7 +40281,7 @@
       </p:grpSpPr>
       <p:sp>
         <p:nvSpPr>
-          <p:cNvPr id="393" name="Google Shape;393;p4"/>
+          <p:cNvPr id="394" name="Google Shape;394;p4"/>
           <p:cNvSpPr txBox="1"/>
           <p:nvPr>
             <p:ph type="title"/>
@@ -40190,7 +40333,7 @@
       </p:sp>
       <p:sp>
         <p:nvSpPr>
-          <p:cNvPr id="394" name="Google Shape;394;p4"/>
+          <p:cNvPr id="395" name="Google Shape;395;p4"/>
           <p:cNvSpPr txBox="1"/>
           <p:nvPr>
             <p:ph idx="1" type="body"/>
@@ -40211,7 +40354,7 @@
         </p:spPr>
         <p:txBody>
           <a:bodyPr anchorCtr="0" anchor="t" bIns="91425" lIns="91425" spcFirstLastPara="1" rIns="91425" wrap="square" tIns="91425">
-            <a:normAutofit/>
+            <a:normAutofit lnSpcReduction="20000"/>
           </a:bodyPr>
           <a:lstStyle/>
           <a:p>
@@ -40233,7 +40376,7 @@
             </a:pPr>
             <a:r>
               <a:rPr b="1" lang="en"/>
-              <a:t>The user can input the name of the pokemon, national number, type of the pokemon, or ability to see the specific pokemon(s) that apply. </a:t>
+              <a:t>The user can input the name of the pokemon, national number, move, type of the pokemon, or ability to see the specific pokemon(s) that apply</a:t>
             </a:r>
             <a:endParaRPr b="1"/>
           </a:p>
@@ -40248,15 +40391,12 @@
               <a:spcAft>
                 <a:spcPts val="0"/>
               </a:spcAft>
-              <a:buClr>
-                <a:schemeClr val="lt1"/>
-              </a:buClr>
               <a:buSzPts val="1800"/>
               <a:buChar char="●"/>
             </a:pPr>
             <a:r>
               <a:rPr b="1" lang="en"/>
-              <a:t>It will display data on the pokemon depending on which search method is implemented.</a:t>
+              <a:t>The user can search moves with specific pokemon Egg Group</a:t>
             </a:r>
             <a:endParaRPr b="1"/>
           </a:p>
@@ -40271,15 +40411,12 @@
               <a:spcAft>
                 <a:spcPts val="0"/>
               </a:spcAft>
-              <a:buClr>
-                <a:schemeClr val="lt1"/>
-              </a:buClr>
               <a:buSzPts val="1800"/>
               <a:buChar char="●"/>
             </a:pPr>
             <a:r>
               <a:rPr b="1" lang="en"/>
-              <a:t>If more than one pokemon applies then the results will display a list of those pokemon. </a:t>
+              <a:t>The user can search ability with minimum attack and total stats</a:t>
             </a:r>
             <a:endParaRPr b="1"/>
           </a:p>
@@ -40302,7 +40439,53 @@
             </a:pPr>
             <a:r>
               <a:rPr b="1" lang="en"/>
-              <a:t>The user can also click on a pokemon, the results will display the info of those pokemon, their ability, type, and what moves they can learn in the form of a list </a:t>
+              <a:t>It will display data on the pokemon depending on which search method is implemented</a:t>
+            </a:r>
+            <a:endParaRPr b="1"/>
+          </a:p>
+          <a:p>
+            <a:pPr indent="-342900" lvl="0" marL="457200" rtl="0" algn="l">
+              <a:lnSpc>
+                <a:spcPct val="120000"/>
+              </a:lnSpc>
+              <a:spcBef>
+                <a:spcPts val="0"/>
+              </a:spcBef>
+              <a:spcAft>
+                <a:spcPts val="0"/>
+              </a:spcAft>
+              <a:buClr>
+                <a:schemeClr val="lt1"/>
+              </a:buClr>
+              <a:buSzPts val="1800"/>
+              <a:buChar char="●"/>
+            </a:pPr>
+            <a:r>
+              <a:rPr b="1" lang="en"/>
+              <a:t>If more than one pokemon applies then the results will display a list of those pokemon</a:t>
+            </a:r>
+            <a:endParaRPr b="1"/>
+          </a:p>
+          <a:p>
+            <a:pPr indent="-342900" lvl="0" marL="457200" rtl="0" algn="l">
+              <a:lnSpc>
+                <a:spcPct val="120000"/>
+              </a:lnSpc>
+              <a:spcBef>
+                <a:spcPts val="0"/>
+              </a:spcBef>
+              <a:spcAft>
+                <a:spcPts val="0"/>
+              </a:spcAft>
+              <a:buClr>
+                <a:schemeClr val="lt1"/>
+              </a:buClr>
+              <a:buSzPts val="1800"/>
+              <a:buChar char="●"/>
+            </a:pPr>
+            <a:r>
+              <a:rPr b="1" lang="en"/>
+              <a:t>The user can also click on a pokemon, the results will display the info of that pokemon, their ability, type, and what moves they can learn in the form of tables</a:t>
             </a:r>
             <a:endParaRPr b="1"/>
           </a:p>
@@ -40343,7 +40526,7 @@
   <p:cSld>
     <p:spTree>
       <p:nvGrpSpPr>
-        <p:cNvPr id="398" name="Shape 398"/>
+        <p:cNvPr id="399" name="Shape 399"/>
         <p:cNvGrpSpPr/>
         <p:nvPr/>
       </p:nvGrpSpPr>
@@ -40357,7 +40540,7 @@
       </p:grpSpPr>
       <p:sp>
         <p:nvSpPr>
-          <p:cNvPr id="399" name="Google Shape;399;p5"/>
+          <p:cNvPr id="400" name="Google Shape;400;p5"/>
           <p:cNvSpPr txBox="1"/>
           <p:nvPr>
             <p:ph type="title"/>
@@ -40409,21 +40592,22 @@
       </p:sp>
       <p:pic>
         <p:nvPicPr>
-          <p:cNvPr id="400" name="Google Shape;400;p5"/>
+          <p:cNvPr id="401" name="Google Shape;401;p5"/>
           <p:cNvPicPr preferRelativeResize="0"/>
           <p:nvPr/>
         </p:nvPicPr>
-        <p:blipFill rotWithShape="1">
+        <p:blipFill>
           <a:blip r:embed="rId3">
             <a:alphaModFix/>
           </a:blip>
-          <a:srcRect b="0" l="0" r="0" t="0"/>
-          <a:stretch/>
+          <a:stretch>
+            <a:fillRect/>
+          </a:stretch>
         </p:blipFill>
         <p:spPr>
           <a:xfrm>
-            <a:off x="2056188" y="572700"/>
-            <a:ext cx="5031620" cy="4570800"/>
+            <a:off x="2454437" y="647525"/>
+            <a:ext cx="4235124" cy="4458025"/>
           </a:xfrm>
           <a:prstGeom prst="rect">
             <a:avLst/>
@@ -40447,7 +40631,7 @@
   <p:cSld>
     <p:spTree>
       <p:nvGrpSpPr>
-        <p:cNvPr id="404" name="Shape 404"/>
+        <p:cNvPr id="405" name="Shape 405"/>
         <p:cNvGrpSpPr/>
         <p:nvPr/>
       </p:nvGrpSpPr>
@@ -40461,7 +40645,7 @@
       </p:grpSpPr>
       <p:sp>
         <p:nvSpPr>
-          <p:cNvPr id="405" name="Google Shape;405;p6"/>
+          <p:cNvPr id="406" name="Google Shape;406;p6"/>
           <p:cNvSpPr txBox="1"/>
           <p:nvPr>
             <p:ph type="title"/>
@@ -40513,21 +40697,22 @@
       </p:sp>
       <p:pic>
         <p:nvPicPr>
-          <p:cNvPr id="406" name="Google Shape;406;p6"/>
+          <p:cNvPr id="407" name="Google Shape;407;p6"/>
           <p:cNvPicPr preferRelativeResize="0"/>
           <p:nvPr/>
         </p:nvPicPr>
-        <p:blipFill rotWithShape="1">
+        <p:blipFill>
           <a:blip r:embed="rId3">
             <a:alphaModFix/>
           </a:blip>
-          <a:srcRect b="0" l="0" r="0" t="0"/>
-          <a:stretch/>
+          <a:stretch>
+            <a:fillRect/>
+          </a:stretch>
         </p:blipFill>
         <p:spPr>
           <a:xfrm>
-            <a:off x="1054188" y="471425"/>
-            <a:ext cx="7035628" cy="4672076"/>
+            <a:off x="1188550" y="572700"/>
+            <a:ext cx="6766899" cy="4493651"/>
           </a:xfrm>
           <a:prstGeom prst="rect">
             <a:avLst/>
@@ -40551,7 +40736,7 @@
   <p:cSld>
     <p:spTree>
       <p:nvGrpSpPr>
-        <p:cNvPr id="410" name="Shape 410"/>
+        <p:cNvPr id="411" name="Shape 411"/>
         <p:cNvGrpSpPr/>
         <p:nvPr/>
       </p:nvGrpSpPr>
@@ -40565,7 +40750,7 @@
       </p:grpSpPr>
       <p:sp>
         <p:nvSpPr>
-          <p:cNvPr id="411" name="Google Shape;411;p7"/>
+          <p:cNvPr id="412" name="Google Shape;412;p7"/>
           <p:cNvSpPr txBox="1"/>
           <p:nvPr>
             <p:ph type="title"/>
@@ -40617,21 +40802,22 @@
       </p:sp>
       <p:pic>
         <p:nvPicPr>
-          <p:cNvPr id="412" name="Google Shape;412;p7"/>
+          <p:cNvPr id="413" name="Google Shape;413;p7"/>
           <p:cNvPicPr preferRelativeResize="0"/>
           <p:nvPr/>
         </p:nvPicPr>
-        <p:blipFill rotWithShape="1">
+        <p:blipFill>
           <a:blip r:embed="rId3">
             <a:alphaModFix/>
           </a:blip>
-          <a:srcRect b="0" l="0" r="0" t="0"/>
-          <a:stretch/>
+          <a:stretch>
+            <a:fillRect/>
+          </a:stretch>
         </p:blipFill>
         <p:spPr>
           <a:xfrm>
-            <a:off x="1977788" y="476950"/>
-            <a:ext cx="5188424" cy="4666550"/>
+            <a:off x="2122951" y="572700"/>
+            <a:ext cx="4898099" cy="4467626"/>
           </a:xfrm>
           <a:prstGeom prst="rect">
             <a:avLst/>
@@ -40655,7 +40841,7 @@
   <p:cSld>
     <p:spTree>
       <p:nvGrpSpPr>
-        <p:cNvPr id="416" name="Shape 416"/>
+        <p:cNvPr id="417" name="Shape 417"/>
         <p:cNvGrpSpPr/>
         <p:nvPr/>
       </p:nvGrpSpPr>
@@ -40669,7 +40855,111 @@
       </p:grpSpPr>
       <p:sp>
         <p:nvSpPr>
-          <p:cNvPr id="417" name="Google Shape;417;p8"/>
+          <p:cNvPr id="418" name="Google Shape;418;g1057d6d26dd_0_0"/>
+          <p:cNvSpPr txBox="1"/>
+          <p:nvPr>
+            <p:ph type="title"/>
+          </p:nvPr>
+        </p:nvSpPr>
+        <p:spPr>
+          <a:xfrm>
+            <a:off x="311700" y="2285400"/>
+            <a:ext cx="8520600" cy="572700"/>
+          </a:xfrm>
+          <a:prstGeom prst="rect">
+            <a:avLst/>
+          </a:prstGeom>
+        </p:spPr>
+        <p:txBody>
+          <a:bodyPr anchorCtr="0" anchor="t" bIns="91425" lIns="91425" spcFirstLastPara="1" rIns="91425" wrap="square" tIns="91425">
+            <a:normAutofit/>
+          </a:bodyPr>
+          <a:lstStyle/>
+          <a:p>
+            <a:pPr indent="0" lvl="0" marL="0" rtl="0" algn="ctr">
+              <a:spcBef>
+                <a:spcPts val="0"/>
+              </a:spcBef>
+              <a:spcAft>
+                <a:spcPts val="0"/>
+              </a:spcAft>
+              <a:buNone/>
+            </a:pPr>
+            <a:r>
+              <a:rPr lang="en"/>
+              <a:t>Demo</a:t>
+            </a:r>
+            <a:endParaRPr/>
+          </a:p>
+        </p:txBody>
+      </p:sp>
+      <p:sp>
+        <p:nvSpPr>
+          <p:cNvPr id="419" name="Google Shape;419;g1057d6d26dd_0_0"/>
+          <p:cNvSpPr txBox="1"/>
+          <p:nvPr>
+            <p:ph idx="1" type="body"/>
+          </p:nvPr>
+        </p:nvSpPr>
+        <p:spPr>
+          <a:xfrm>
+            <a:off x="311700" y="1152475"/>
+            <a:ext cx="8520600" cy="3416400"/>
+          </a:xfrm>
+          <a:prstGeom prst="rect">
+            <a:avLst/>
+          </a:prstGeom>
+        </p:spPr>
+        <p:txBody>
+          <a:bodyPr anchorCtr="0" anchor="t" bIns="91425" lIns="91425" spcFirstLastPara="1" rIns="91425" wrap="square" tIns="91425">
+            <a:normAutofit/>
+          </a:bodyPr>
+          <a:lstStyle/>
+          <a:p>
+            <a:pPr indent="0" lvl="0" marL="0" rtl="0" algn="l">
+              <a:spcBef>
+                <a:spcPts val="0"/>
+              </a:spcBef>
+              <a:spcAft>
+                <a:spcPts val="0"/>
+              </a:spcAft>
+              <a:buNone/>
+            </a:pPr>
+            <a:r>
+              <a:t/>
+            </a:r>
+            <a:endParaRPr/>
+          </a:p>
+        </p:txBody>
+      </p:sp>
+    </p:spTree>
+  </p:cSld>
+  <p:clrMapOvr>
+    <a:masterClrMapping/>
+  </p:clrMapOvr>
+</p:sld>
+</file>
+
+<file path=ppt/slides/slide9.xml><?xml version="1.0" encoding="utf-8"?>
+<p:sld xmlns:a="http://schemas.openxmlformats.org/drawingml/2006/main" xmlns:r="http://schemas.openxmlformats.org/officeDocument/2006/relationships" xmlns:mc="http://schemas.openxmlformats.org/markup-compatibility/2006" xmlns:mv="urn:schemas-microsoft-com:mac:vml" xmlns:p="http://schemas.openxmlformats.org/presentationml/2006/main" xmlns:c="http://schemas.openxmlformats.org/drawingml/2006/chart" xmlns:dgm="http://schemas.openxmlformats.org/drawingml/2006/diagram" xmlns:o="urn:schemas-microsoft-com:office:office" xmlns:v="urn:schemas-microsoft-com:vml" xmlns:pvml="urn:schemas-microsoft-com:office:powerpoint" xmlns:com="http://schemas.openxmlformats.org/drawingml/2006/compatibility" xmlns:p14="http://schemas.microsoft.com/office/powerpoint/2010/main" xmlns:p15="http://schemas.microsoft.com/office/powerpoint/2012/main" xmlns:ahyp="http://schemas.microsoft.com/office/drawing/2018/hyperlinkcolor">
+  <p:cSld>
+    <p:spTree>
+      <p:nvGrpSpPr>
+        <p:cNvPr id="423" name="Shape 423"/>
+        <p:cNvGrpSpPr/>
+        <p:nvPr/>
+      </p:nvGrpSpPr>
+      <p:grpSpPr>
+        <a:xfrm>
+          <a:off x="0" y="0"/>
+          <a:ext cx="0" cy="0"/>
+          <a:chOff x="0" y="0"/>
+          <a:chExt cx="0" cy="0"/>
+        </a:xfrm>
+      </p:grpSpPr>
+      <p:sp>
+        <p:nvSpPr>
+          <p:cNvPr id="424" name="Google Shape;424;p8"/>
           <p:cNvSpPr txBox="1"/>
           <p:nvPr>
             <p:ph idx="1" type="body"/>

--- a/Project Presentation.pptx
+++ b/Project Presentation.pptx
@@ -39684,8 +39684,8 @@
         </p:nvSpPr>
         <p:spPr>
           <a:xfrm>
-            <a:off x="2000250" y="2701528"/>
-            <a:ext cx="5143500" cy="714772"/>
+            <a:off x="1862700" y="2571750"/>
+            <a:ext cx="5418600" cy="908700"/>
           </a:xfrm>
           <a:prstGeom prst="rect">
             <a:avLst/>
@@ -39697,7 +39697,7 @@
         </p:spPr>
         <p:txBody>
           <a:bodyPr anchorCtr="0" anchor="t" bIns="91425" lIns="91425" spcFirstLastPara="1" rIns="91425" wrap="square" tIns="91425">
-            <a:normAutofit/>
+            <a:normAutofit lnSpcReduction="10000"/>
           </a:bodyPr>
           <a:lstStyle/>
           <a:p>
@@ -39736,7 +39736,7 @@
                 <a:spcPts val="600"/>
               </a:spcBef>
               <a:spcAft>
-                <a:spcPts val="600"/>
+                <a:spcPts val="0"/>
               </a:spcAft>
               <a:buClr>
                 <a:schemeClr val="lt2"/>
@@ -39752,7 +39752,42 @@
               </a:rPr>
               <a:t>ROHIT VEMURI - LAB 3L</a:t>
             </a:r>
-            <a:endParaRPr/>
+            <a:endParaRPr sz="1100">
+              <a:solidFill>
+                <a:schemeClr val="lt2"/>
+              </a:solidFill>
+            </a:endParaRPr>
+          </a:p>
+          <a:p>
+            <a:pPr indent="0" lvl="0" marL="0" rtl="0" algn="ctr">
+              <a:lnSpc>
+                <a:spcPct val="110000"/>
+              </a:lnSpc>
+              <a:spcBef>
+                <a:spcPts val="600"/>
+              </a:spcBef>
+              <a:spcAft>
+                <a:spcPts val="600"/>
+              </a:spcAft>
+              <a:buClr>
+                <a:schemeClr val="lt2"/>
+              </a:buClr>
+              <a:buSzPts val="1375"/>
+              <a:buNone/>
+            </a:pPr>
+            <a:r>
+              <a:rPr lang="en" sz="1100">
+                <a:solidFill>
+                  <a:schemeClr val="lt2"/>
+                </a:solidFill>
+              </a:rPr>
+              <a:t>https://github.com/missile720/CSE111Project</a:t>
+            </a:r>
+            <a:endParaRPr sz="1100">
+              <a:solidFill>
+                <a:schemeClr val="lt2"/>
+              </a:solidFill>
+            </a:endParaRPr>
           </a:p>
         </p:txBody>
       </p:sp>
@@ -41319,6 +41354,285 @@
 </file>
 
 <file path=ppt/theme/theme2.xml><?xml version="1.0" encoding="utf-8"?>
+<a:theme xmlns:a="http://schemas.openxmlformats.org/drawingml/2006/main" xmlns:r="http://schemas.openxmlformats.org/officeDocument/2006/relationships" name="Circuit">
+  <a:themeElements>
+    <a:clrScheme name="Circuit">
+      <a:dk1>
+        <a:srgbClr val="000000"/>
+      </a:dk1>
+      <a:lt1>
+        <a:srgbClr val="FFFFFF"/>
+      </a:lt1>
+      <a:dk2>
+        <a:srgbClr val="8D1E14"/>
+      </a:dk2>
+      <a:lt2>
+        <a:srgbClr val="FF744E"/>
+      </a:lt2>
+      <a:accent1>
+        <a:srgbClr val="E9B758"/>
+      </a:accent1>
+      <a:accent2>
+        <a:srgbClr val="FE8943"/>
+      </a:accent2>
+      <a:accent3>
+        <a:srgbClr val="AEA27C"/>
+      </a:accent3>
+      <a:accent4>
+        <a:srgbClr val="90B46E"/>
+      </a:accent4>
+      <a:accent5>
+        <a:srgbClr val="71AEC1"/>
+      </a:accent5>
+      <a:accent6>
+        <a:srgbClr val="C98DE7"/>
+      </a:accent6>
+      <a:hlink>
+        <a:srgbClr val="FF7A22"/>
+      </a:hlink>
+      <a:folHlink>
+        <a:srgbClr val="FDCD86"/>
+      </a:folHlink>
+    </a:clrScheme>
+    <a:fontScheme name="Office">
+      <a:majorFont>
+        <a:latin typeface="Arial"/>
+        <a:ea typeface=""/>
+        <a:cs typeface=""/>
+        <a:font script="Jpan" typeface="ＭＳ Ｐゴシック"/>
+        <a:font script="Hang" typeface="맑은 고딕"/>
+        <a:font script="Hans" typeface="宋体"/>
+        <a:font script="Hant" typeface="新細明體"/>
+        <a:font script="Arab" typeface="Times New Roman"/>
+        <a:font script="Hebr" typeface="Times New Roman"/>
+        <a:font script="Thai" typeface="Angsana New"/>
+        <a:font script="Ethi" typeface="Nyala"/>
+        <a:font script="Beng" typeface="Vrinda"/>
+        <a:font script="Gujr" typeface="Shruti"/>
+        <a:font script="Khmr" typeface="MoolBoran"/>
+        <a:font script="Knda" typeface="Tunga"/>
+        <a:font script="Guru" typeface="Raavi"/>
+        <a:font script="Cans" typeface="Euphemia"/>
+        <a:font script="Cher" typeface="Plantagenet Cherokee"/>
+        <a:font script="Yiii" typeface="Microsoft Yi Baiti"/>
+        <a:font script="Tibt" typeface="Microsoft Himalaya"/>
+        <a:font script="Thaa" typeface="MV Boli"/>
+        <a:font script="Deva" typeface="Mangal"/>
+        <a:font script="Telu" typeface="Gautami"/>
+        <a:font script="Taml" typeface="Latha"/>
+        <a:font script="Syrc" typeface="Estrangelo Edessa"/>
+        <a:font script="Orya" typeface="Kalinga"/>
+        <a:font script="Mlym" typeface="Kartika"/>
+        <a:font script="Laoo" typeface="DokChampa"/>
+        <a:font script="Sinh" typeface="Iskoola Pota"/>
+        <a:font script="Mong" typeface="Mongolian Baiti"/>
+        <a:font script="Viet" typeface="Times New Roman"/>
+        <a:font script="Uigh" typeface="Microsoft Uighur"/>
+        <a:font script="Geor" typeface="Sylfaen"/>
+      </a:majorFont>
+      <a:minorFont>
+        <a:latin typeface="Arial"/>
+        <a:ea typeface=""/>
+        <a:cs typeface=""/>
+        <a:font script="Jpan" typeface="ＭＳ Ｐゴシック"/>
+        <a:font script="Hang" typeface="맑은 고딕"/>
+        <a:font script="Hans" typeface="宋体"/>
+        <a:font script="Hant" typeface="新細明體"/>
+        <a:font script="Arab" typeface="Arial"/>
+        <a:font script="Hebr" typeface="Arial"/>
+        <a:font script="Thai" typeface="Cordia New"/>
+        <a:font script="Ethi" typeface="Nyala"/>
+        <a:font script="Beng" typeface="Vrinda"/>
+        <a:font script="Gujr" typeface="Shruti"/>
+        <a:font script="Khmr" typeface="DaunPenh"/>
+        <a:font script="Knda" typeface="Tunga"/>
+        <a:font script="Guru" typeface="Raavi"/>
+        <a:font script="Cans" typeface="Euphemia"/>
+        <a:font script="Cher" typeface="Plantagenet Cherokee"/>
+        <a:font script="Yiii" typeface="Microsoft Yi Baiti"/>
+        <a:font script="Tibt" typeface="Microsoft Himalaya"/>
+        <a:font script="Thaa" typeface="MV Boli"/>
+        <a:font script="Deva" typeface="Mangal"/>
+        <a:font script="Telu" typeface="Gautami"/>
+        <a:font script="Taml" typeface="Latha"/>
+        <a:font script="Syrc" typeface="Estrangelo Edessa"/>
+        <a:font script="Orya" typeface="Kalinga"/>
+        <a:font script="Mlym" typeface="Kartika"/>
+        <a:font script="Laoo" typeface="DokChampa"/>
+        <a:font script="Sinh" typeface="Iskoola Pota"/>
+        <a:font script="Mong" typeface="Mongolian Baiti"/>
+        <a:font script="Viet" typeface="Arial"/>
+        <a:font script="Uigh" typeface="Microsoft Uighur"/>
+        <a:font script="Geor" typeface="Sylfaen"/>
+      </a:minorFont>
+    </a:fontScheme>
+    <a:fmtScheme name="Office">
+      <a:fillStyleLst>
+        <a:solidFill>
+          <a:schemeClr val="phClr"/>
+        </a:solidFill>
+        <a:gradFill rotWithShape="1">
+          <a:gsLst>
+            <a:gs pos="0">
+              <a:schemeClr val="phClr">
+                <a:tint val="50000"/>
+                <a:satMod val="300000"/>
+              </a:schemeClr>
+            </a:gs>
+            <a:gs pos="35000">
+              <a:schemeClr val="phClr">
+                <a:tint val="37000"/>
+                <a:satMod val="300000"/>
+              </a:schemeClr>
+            </a:gs>
+            <a:gs pos="100000">
+              <a:schemeClr val="phClr">
+                <a:tint val="15000"/>
+                <a:satMod val="350000"/>
+              </a:schemeClr>
+            </a:gs>
+          </a:gsLst>
+          <a:lin ang="16200000" scaled="1"/>
+        </a:gradFill>
+        <a:gradFill rotWithShape="1">
+          <a:gsLst>
+            <a:gs pos="0">
+              <a:schemeClr val="phClr">
+                <a:tint val="100000"/>
+                <a:shade val="100000"/>
+                <a:satMod val="130000"/>
+              </a:schemeClr>
+            </a:gs>
+            <a:gs pos="100000">
+              <a:schemeClr val="phClr">
+                <a:tint val="50000"/>
+                <a:shade val="100000"/>
+                <a:satMod val="350000"/>
+              </a:schemeClr>
+            </a:gs>
+          </a:gsLst>
+          <a:lin ang="16200000" scaled="0"/>
+        </a:gradFill>
+      </a:fillStyleLst>
+      <a:lnStyleLst>
+        <a:ln w="9525" cap="flat" cmpd="sng" algn="ctr">
+          <a:solidFill>
+            <a:schemeClr val="phClr">
+              <a:shade val="95000"/>
+              <a:satMod val="105000"/>
+            </a:schemeClr>
+          </a:solidFill>
+          <a:prstDash val="solid"/>
+        </a:ln>
+        <a:ln w="25400" cap="flat" cmpd="sng" algn="ctr">
+          <a:solidFill>
+            <a:schemeClr val="phClr"/>
+          </a:solidFill>
+          <a:prstDash val="solid"/>
+        </a:ln>
+        <a:ln w="38100" cap="flat" cmpd="sng" algn="ctr">
+          <a:solidFill>
+            <a:schemeClr val="phClr"/>
+          </a:solidFill>
+          <a:prstDash val="solid"/>
+        </a:ln>
+      </a:lnStyleLst>
+      <a:effectStyleLst>
+        <a:effectStyle>
+          <a:effectLst>
+            <a:outerShdw blurRad="40000" dist="20000" dir="5400000" rotWithShape="0">
+              <a:srgbClr val="000000">
+                <a:alpha val="38000"/>
+              </a:srgbClr>
+            </a:outerShdw>
+          </a:effectLst>
+        </a:effectStyle>
+        <a:effectStyle>
+          <a:effectLst>
+            <a:outerShdw blurRad="40000" dist="23000" dir="5400000" rotWithShape="0">
+              <a:srgbClr val="000000">
+                <a:alpha val="35000"/>
+              </a:srgbClr>
+            </a:outerShdw>
+          </a:effectLst>
+        </a:effectStyle>
+        <a:effectStyle>
+          <a:effectLst>
+            <a:outerShdw blurRad="40000" dist="23000" dir="5400000" rotWithShape="0">
+              <a:srgbClr val="000000">
+                <a:alpha val="35000"/>
+              </a:srgbClr>
+            </a:outerShdw>
+          </a:effectLst>
+          <a:scene3d>
+            <a:camera prst="orthographicFront">
+              <a:rot lat="0" lon="0" rev="0"/>
+            </a:camera>
+            <a:lightRig rig="threePt" dir="t">
+              <a:rot lat="0" lon="0" rev="1200000"/>
+            </a:lightRig>
+          </a:scene3d>
+          <a:sp3d>
+            <a:bevelT w="63500" h="25400"/>
+          </a:sp3d>
+        </a:effectStyle>
+      </a:effectStyleLst>
+      <a:bgFillStyleLst>
+        <a:solidFill>
+          <a:schemeClr val="phClr"/>
+        </a:solidFill>
+        <a:gradFill rotWithShape="1">
+          <a:gsLst>
+            <a:gs pos="0">
+              <a:schemeClr val="phClr">
+                <a:tint val="40000"/>
+                <a:satMod val="350000"/>
+              </a:schemeClr>
+            </a:gs>
+            <a:gs pos="40000">
+              <a:schemeClr val="phClr">
+                <a:tint val="45000"/>
+                <a:shade val="99000"/>
+                <a:satMod val="350000"/>
+              </a:schemeClr>
+            </a:gs>
+            <a:gs pos="100000">
+              <a:schemeClr val="phClr">
+                <a:shade val="20000"/>
+                <a:satMod val="255000"/>
+              </a:schemeClr>
+            </a:gs>
+          </a:gsLst>
+          <a:path path="circle">
+            <a:fillToRect l="50000" t="-80000" r="50000" b="180000"/>
+          </a:path>
+        </a:gradFill>
+        <a:gradFill rotWithShape="1">
+          <a:gsLst>
+            <a:gs pos="0">
+              <a:schemeClr val="phClr">
+                <a:tint val="80000"/>
+                <a:satMod val="300000"/>
+              </a:schemeClr>
+            </a:gs>
+            <a:gs pos="100000">
+              <a:schemeClr val="phClr">
+                <a:shade val="30000"/>
+                <a:satMod val="200000"/>
+              </a:schemeClr>
+            </a:gs>
+          </a:gsLst>
+          <a:path path="circle">
+            <a:fillToRect l="50000" t="50000" r="50000" b="50000"/>
+          </a:path>
+        </a:gradFill>
+      </a:bgFillStyleLst>
+    </a:fmtScheme>
+  </a:themeElements>
+</a:theme>
+</file>
+
+<file path=ppt/theme/theme3.xml><?xml version="1.0" encoding="utf-8"?>
 <a:theme xmlns:a="http://schemas.openxmlformats.org/drawingml/2006/main" xmlns:r="http://schemas.openxmlformats.org/officeDocument/2006/relationships">
   <a:themeElements>
     <a:clrScheme name="Default">
@@ -41595,283 +41909,4 @@
     </a:fmtScheme>
   </a:themeElements>
 </a:theme>
-</file>
-
-<file path=ppt/theme/theme3.xml><?xml version="1.0" encoding="utf-8"?>
-<a:theme xmlns:a="http://schemas.openxmlformats.org/drawingml/2006/main" xmlns:r="http://schemas.openxmlformats.org/officeDocument/2006/relationships" name="Circuit">
-  <a:themeElements>
-    <a:clrScheme name="Circuit">
-      <a:dk1>
-        <a:srgbClr val="000000"/>
-      </a:dk1>
-      <a:lt1>
-        <a:srgbClr val="FFFFFF"/>
-      </a:lt1>
-      <a:dk2>
-        <a:srgbClr val="8D1E14"/>
-      </a:dk2>
-      <a:lt2>
-        <a:srgbClr val="FF744E"/>
-      </a:lt2>
-      <a:accent1>
-        <a:srgbClr val="E9B758"/>
-      </a:accent1>
-      <a:accent2>
-        <a:srgbClr val="FE8943"/>
-      </a:accent2>
-      <a:accent3>
-        <a:srgbClr val="AEA27C"/>
-      </a:accent3>
-      <a:accent4>
-        <a:srgbClr val="90B46E"/>
-      </a:accent4>
-      <a:accent5>
-        <a:srgbClr val="71AEC1"/>
-      </a:accent5>
-      <a:accent6>
-        <a:srgbClr val="C98DE7"/>
-      </a:accent6>
-      <a:hlink>
-        <a:srgbClr val="FF7A22"/>
-      </a:hlink>
-      <a:folHlink>
-        <a:srgbClr val="FDCD86"/>
-      </a:folHlink>
-    </a:clrScheme>
-    <a:fontScheme name="Office">
-      <a:majorFont>
-        <a:latin typeface="Arial"/>
-        <a:ea typeface=""/>
-        <a:cs typeface=""/>
-        <a:font script="Jpan" typeface="ＭＳ Ｐゴシック"/>
-        <a:font script="Hang" typeface="맑은 고딕"/>
-        <a:font script="Hans" typeface="宋体"/>
-        <a:font script="Hant" typeface="新細明體"/>
-        <a:font script="Arab" typeface="Times New Roman"/>
-        <a:font script="Hebr" typeface="Times New Roman"/>
-        <a:font script="Thai" typeface="Angsana New"/>
-        <a:font script="Ethi" typeface="Nyala"/>
-        <a:font script="Beng" typeface="Vrinda"/>
-        <a:font script="Gujr" typeface="Shruti"/>
-        <a:font script="Khmr" typeface="MoolBoran"/>
-        <a:font script="Knda" typeface="Tunga"/>
-        <a:font script="Guru" typeface="Raavi"/>
-        <a:font script="Cans" typeface="Euphemia"/>
-        <a:font script="Cher" typeface="Plantagenet Cherokee"/>
-        <a:font script="Yiii" typeface="Microsoft Yi Baiti"/>
-        <a:font script="Tibt" typeface="Microsoft Himalaya"/>
-        <a:font script="Thaa" typeface="MV Boli"/>
-        <a:font script="Deva" typeface="Mangal"/>
-        <a:font script="Telu" typeface="Gautami"/>
-        <a:font script="Taml" typeface="Latha"/>
-        <a:font script="Syrc" typeface="Estrangelo Edessa"/>
-        <a:font script="Orya" typeface="Kalinga"/>
-        <a:font script="Mlym" typeface="Kartika"/>
-        <a:font script="Laoo" typeface="DokChampa"/>
-        <a:font script="Sinh" typeface="Iskoola Pota"/>
-        <a:font script="Mong" typeface="Mongolian Baiti"/>
-        <a:font script="Viet" typeface="Times New Roman"/>
-        <a:font script="Uigh" typeface="Microsoft Uighur"/>
-        <a:font script="Geor" typeface="Sylfaen"/>
-      </a:majorFont>
-      <a:minorFont>
-        <a:latin typeface="Arial"/>
-        <a:ea typeface=""/>
-        <a:cs typeface=""/>
-        <a:font script="Jpan" typeface="ＭＳ Ｐゴシック"/>
-        <a:font script="Hang" typeface="맑은 고딕"/>
-        <a:font script="Hans" typeface="宋体"/>
-        <a:font script="Hant" typeface="新細明體"/>
-        <a:font script="Arab" typeface="Arial"/>
-        <a:font script="Hebr" typeface="Arial"/>
-        <a:font script="Thai" typeface="Cordia New"/>
-        <a:font script="Ethi" typeface="Nyala"/>
-        <a:font script="Beng" typeface="Vrinda"/>
-        <a:font script="Gujr" typeface="Shruti"/>
-        <a:font script="Khmr" typeface="DaunPenh"/>
-        <a:font script="Knda" typeface="Tunga"/>
-        <a:font script="Guru" typeface="Raavi"/>
-        <a:font script="Cans" typeface="Euphemia"/>
-        <a:font script="Cher" typeface="Plantagenet Cherokee"/>
-        <a:font script="Yiii" typeface="Microsoft Yi Baiti"/>
-        <a:font script="Tibt" typeface="Microsoft Himalaya"/>
-        <a:font script="Thaa" typeface="MV Boli"/>
-        <a:font script="Deva" typeface="Mangal"/>
-        <a:font script="Telu" typeface="Gautami"/>
-        <a:font script="Taml" typeface="Latha"/>
-        <a:font script="Syrc" typeface="Estrangelo Edessa"/>
-        <a:font script="Orya" typeface="Kalinga"/>
-        <a:font script="Mlym" typeface="Kartika"/>
-        <a:font script="Laoo" typeface="DokChampa"/>
-        <a:font script="Sinh" typeface="Iskoola Pota"/>
-        <a:font script="Mong" typeface="Mongolian Baiti"/>
-        <a:font script="Viet" typeface="Arial"/>
-        <a:font script="Uigh" typeface="Microsoft Uighur"/>
-        <a:font script="Geor" typeface="Sylfaen"/>
-      </a:minorFont>
-    </a:fontScheme>
-    <a:fmtScheme name="Office">
-      <a:fillStyleLst>
-        <a:solidFill>
-          <a:schemeClr val="phClr"/>
-        </a:solidFill>
-        <a:gradFill rotWithShape="1">
-          <a:gsLst>
-            <a:gs pos="0">
-              <a:schemeClr val="phClr">
-                <a:tint val="50000"/>
-                <a:satMod val="300000"/>
-              </a:schemeClr>
-            </a:gs>
-            <a:gs pos="35000">
-              <a:schemeClr val="phClr">
-                <a:tint val="37000"/>
-                <a:satMod val="300000"/>
-              </a:schemeClr>
-            </a:gs>
-            <a:gs pos="100000">
-              <a:schemeClr val="phClr">
-                <a:tint val="15000"/>
-                <a:satMod val="350000"/>
-              </a:schemeClr>
-            </a:gs>
-          </a:gsLst>
-          <a:lin ang="16200000" scaled="1"/>
-        </a:gradFill>
-        <a:gradFill rotWithShape="1">
-          <a:gsLst>
-            <a:gs pos="0">
-              <a:schemeClr val="phClr">
-                <a:tint val="100000"/>
-                <a:shade val="100000"/>
-                <a:satMod val="130000"/>
-              </a:schemeClr>
-            </a:gs>
-            <a:gs pos="100000">
-              <a:schemeClr val="phClr">
-                <a:tint val="50000"/>
-                <a:shade val="100000"/>
-                <a:satMod val="350000"/>
-              </a:schemeClr>
-            </a:gs>
-          </a:gsLst>
-          <a:lin ang="16200000" scaled="0"/>
-        </a:gradFill>
-      </a:fillStyleLst>
-      <a:lnStyleLst>
-        <a:ln w="9525" cap="flat" cmpd="sng" algn="ctr">
-          <a:solidFill>
-            <a:schemeClr val="phClr">
-              <a:shade val="95000"/>
-              <a:satMod val="105000"/>
-            </a:schemeClr>
-          </a:solidFill>
-          <a:prstDash val="solid"/>
-        </a:ln>
-        <a:ln w="25400" cap="flat" cmpd="sng" algn="ctr">
-          <a:solidFill>
-            <a:schemeClr val="phClr"/>
-          </a:solidFill>
-          <a:prstDash val="solid"/>
-        </a:ln>
-        <a:ln w="38100" cap="flat" cmpd="sng" algn="ctr">
-          <a:solidFill>
-            <a:schemeClr val="phClr"/>
-          </a:solidFill>
-          <a:prstDash val="solid"/>
-        </a:ln>
-      </a:lnStyleLst>
-      <a:effectStyleLst>
-        <a:effectStyle>
-          <a:effectLst>
-            <a:outerShdw blurRad="40000" dist="20000" dir="5400000" rotWithShape="0">
-              <a:srgbClr val="000000">
-                <a:alpha val="38000"/>
-              </a:srgbClr>
-            </a:outerShdw>
-          </a:effectLst>
-        </a:effectStyle>
-        <a:effectStyle>
-          <a:effectLst>
-            <a:outerShdw blurRad="40000" dist="23000" dir="5400000" rotWithShape="0">
-              <a:srgbClr val="000000">
-                <a:alpha val="35000"/>
-              </a:srgbClr>
-            </a:outerShdw>
-          </a:effectLst>
-        </a:effectStyle>
-        <a:effectStyle>
-          <a:effectLst>
-            <a:outerShdw blurRad="40000" dist="23000" dir="5400000" rotWithShape="0">
-              <a:srgbClr val="000000">
-                <a:alpha val="35000"/>
-              </a:srgbClr>
-            </a:outerShdw>
-          </a:effectLst>
-          <a:scene3d>
-            <a:camera prst="orthographicFront">
-              <a:rot lat="0" lon="0" rev="0"/>
-            </a:camera>
-            <a:lightRig rig="threePt" dir="t">
-              <a:rot lat="0" lon="0" rev="1200000"/>
-            </a:lightRig>
-          </a:scene3d>
-          <a:sp3d>
-            <a:bevelT w="63500" h="25400"/>
-          </a:sp3d>
-        </a:effectStyle>
-      </a:effectStyleLst>
-      <a:bgFillStyleLst>
-        <a:solidFill>
-          <a:schemeClr val="phClr"/>
-        </a:solidFill>
-        <a:gradFill rotWithShape="1">
-          <a:gsLst>
-            <a:gs pos="0">
-              <a:schemeClr val="phClr">
-                <a:tint val="40000"/>
-                <a:satMod val="350000"/>
-              </a:schemeClr>
-            </a:gs>
-            <a:gs pos="40000">
-              <a:schemeClr val="phClr">
-                <a:tint val="45000"/>
-                <a:shade val="99000"/>
-                <a:satMod val="350000"/>
-              </a:schemeClr>
-            </a:gs>
-            <a:gs pos="100000">
-              <a:schemeClr val="phClr">
-                <a:shade val="20000"/>
-                <a:satMod val="255000"/>
-              </a:schemeClr>
-            </a:gs>
-          </a:gsLst>
-          <a:path path="circle">
-            <a:fillToRect l="50000" t="-80000" r="50000" b="180000"/>
-          </a:path>
-        </a:gradFill>
-        <a:gradFill rotWithShape="1">
-          <a:gsLst>
-            <a:gs pos="0">
-              <a:schemeClr val="phClr">
-                <a:tint val="80000"/>
-                <a:satMod val="300000"/>
-              </a:schemeClr>
-            </a:gs>
-            <a:gs pos="100000">
-              <a:schemeClr val="phClr">
-                <a:shade val="30000"/>
-                <a:satMod val="200000"/>
-              </a:schemeClr>
-            </a:gs>
-          </a:gsLst>
-          <a:path path="circle">
-            <a:fillToRect l="50000" t="50000" r="50000" b="50000"/>
-          </a:path>
-        </a:gradFill>
-      </a:bgFillStyleLst>
-    </a:fmtScheme>
-  </a:themeElements>
-</a:theme>
 </file>